--- a/class5/digitalframeworks-5.pptx
+++ b/class5/digitalframeworks-5.pptx
@@ -226,7 +226,7 @@
           <a:p>
             <a:fld id="{FFA36EB4-F484-E44E-B926-67748D638B81}" type="datetimeFigureOut">
               <a:rPr lang="en-US" smtClean="0"/>
-              <a:t>5/19/19</a:t>
+              <a:t>10/24/21</a:t>
             </a:fld>
             <a:endParaRPr lang="en-US"/>
           </a:p>
@@ -952,7 +952,7 @@
           <a:p>
             <a:fld id="{02BFA07B-C164-3147-9A4D-3FAE7F395571}" type="datetimeFigureOut">
               <a:rPr lang="en-US" smtClean="0"/>
-              <a:t>5/19/19</a:t>
+              <a:t>10/24/21</a:t>
             </a:fld>
             <a:endParaRPr lang="en-US"/>
           </a:p>
@@ -1115,7 +1115,7 @@
           <a:p>
             <a:fld id="{02BFA07B-C164-3147-9A4D-3FAE7F395571}" type="datetimeFigureOut">
               <a:rPr lang="en-US" smtClean="0"/>
-              <a:t>5/19/19</a:t>
+              <a:t>10/24/21</a:t>
             </a:fld>
             <a:endParaRPr lang="en-US"/>
           </a:p>
@@ -1290,7 +1290,7 @@
           <a:p>
             <a:fld id="{02BFA07B-C164-3147-9A4D-3FAE7F395571}" type="datetimeFigureOut">
               <a:rPr lang="en-US" smtClean="0"/>
-              <a:t>5/19/19</a:t>
+              <a:t>10/24/21</a:t>
             </a:fld>
             <a:endParaRPr lang="en-US"/>
           </a:p>
@@ -1485,7 +1485,7 @@
           <a:p>
             <a:fld id="{02BFA07B-C164-3147-9A4D-3FAE7F395571}" type="datetimeFigureOut">
               <a:rPr lang="en-US" smtClean="0"/>
-              <a:t>5/19/19</a:t>
+              <a:t>10/24/21</a:t>
             </a:fld>
             <a:endParaRPr lang="en-US"/>
           </a:p>
@@ -1724,7 +1724,7 @@
           <a:p>
             <a:fld id="{02BFA07B-C164-3147-9A4D-3FAE7F395571}" type="datetimeFigureOut">
               <a:rPr lang="en-US" smtClean="0"/>
-              <a:t>5/19/19</a:t>
+              <a:t>10/24/21</a:t>
             </a:fld>
             <a:endParaRPr lang="en-US"/>
           </a:p>
@@ -2004,7 +2004,7 @@
           <a:p>
             <a:fld id="{02BFA07B-C164-3147-9A4D-3FAE7F395571}" type="datetimeFigureOut">
               <a:rPr lang="en-US" smtClean="0"/>
-              <a:t>5/19/19</a:t>
+              <a:t>10/24/21</a:t>
             </a:fld>
             <a:endParaRPr lang="en-US"/>
           </a:p>
@@ -2419,7 +2419,7 @@
           <a:p>
             <a:fld id="{02BFA07B-C164-3147-9A4D-3FAE7F395571}" type="datetimeFigureOut">
               <a:rPr lang="en-US" smtClean="0"/>
-              <a:t>5/19/19</a:t>
+              <a:t>10/24/21</a:t>
             </a:fld>
             <a:endParaRPr lang="en-US"/>
           </a:p>
@@ -2531,7 +2531,7 @@
           <a:p>
             <a:fld id="{02BFA07B-C164-3147-9A4D-3FAE7F395571}" type="datetimeFigureOut">
               <a:rPr lang="en-US" smtClean="0"/>
-              <a:t>5/19/19</a:t>
+              <a:t>10/24/21</a:t>
             </a:fld>
             <a:endParaRPr lang="en-US"/>
           </a:p>
@@ -2621,7 +2621,7 @@
           <a:p>
             <a:fld id="{02BFA07B-C164-3147-9A4D-3FAE7F395571}" type="datetimeFigureOut">
               <a:rPr lang="en-US" smtClean="0"/>
-              <a:t>5/19/19</a:t>
+              <a:t>10/24/21</a:t>
             </a:fld>
             <a:endParaRPr lang="en-US"/>
           </a:p>
@@ -2899,7 +2899,7 @@
           <a:p>
             <a:fld id="{02BFA07B-C164-3147-9A4D-3FAE7F395571}" type="datetimeFigureOut">
               <a:rPr lang="en-US" smtClean="0"/>
-              <a:t>5/19/19</a:t>
+              <a:t>10/24/21</a:t>
             </a:fld>
             <a:endParaRPr lang="en-US"/>
           </a:p>
@@ -3158,7 +3158,7 @@
           <a:p>
             <a:fld id="{02BFA07B-C164-3147-9A4D-3FAE7F395571}" type="datetimeFigureOut">
               <a:rPr lang="en-US" smtClean="0"/>
-              <a:t>5/19/19</a:t>
+              <a:t>10/24/21</a:t>
             </a:fld>
             <a:endParaRPr lang="en-US"/>
           </a:p>
@@ -3364,7 +3364,7 @@
           <a:p>
             <a:fld id="{02BFA07B-C164-3147-9A4D-3FAE7F395571}" type="datetimeFigureOut">
               <a:rPr lang="en-US" smtClean="0"/>
-              <a:t>5/19/19</a:t>
+              <a:t>10/24/21</a:t>
             </a:fld>
             <a:endParaRPr lang="en-US"/>
           </a:p>
@@ -3846,7 +3846,7 @@
         </p:spPr>
         <p:txBody>
           <a:bodyPr>
-            <a:normAutofit fontScale="92500" lnSpcReduction="10000"/>
+            <a:normAutofit/>
           </a:bodyPr>
           <a:lstStyle/>
           <a:p>
@@ -3859,38 +3859,6 @@
             <a:r>
               <a:rPr lang="en-US" dirty="0"/>
               <a:t>Digital frameworks</a:t>
-            </a:r>
-          </a:p>
-          <a:p>
-            <a:r>
-              <a:rPr lang="en-US" dirty="0"/>
-              <a:t>Northwestern University </a:t>
-            </a:r>
-            <a:r>
-              <a:rPr lang="mr-IN" dirty="0"/>
-              <a:t>–</a:t>
-            </a:r>
-            <a:r>
-              <a:rPr lang="en-US" dirty="0"/>
-              <a:t> Spring 2019</a:t>
-            </a:r>
-          </a:p>
-          <a:p>
-            <a:r>
-              <a:rPr lang="en-US" dirty="0" err="1"/>
-              <a:t>Github.com</a:t>
-            </a:r>
-            <a:r>
-              <a:rPr lang="en-US" dirty="0"/>
-              <a:t>/</a:t>
-            </a:r>
-            <a:r>
-              <a:rPr lang="en-US" dirty="0" err="1"/>
-              <a:t>shmcminn</a:t>
-            </a:r>
-            <a:r>
-              <a:rPr lang="en-US" dirty="0"/>
-              <a:t>/digitalframeworks-spring19</a:t>
             </a:r>
           </a:p>
         </p:txBody>
@@ -4734,41 +4702,11 @@
           <a:p>
             <a:r>
               <a:rPr lang="en-US" dirty="0"/>
-              <a:t>Download medill_crime_data_1000ft_1yr.csv</a:t>
-            </a:r>
-          </a:p>
-        </p:txBody>
-      </p:sp>
-      <p:pic>
-        <p:nvPicPr>
-          <p:cNvPr id="4" name="Picture 3" descr="Screen Shot 2018-07-29 at 12.22.15 PM.png"/>
-          <p:cNvPicPr>
-            <a:picLocks noChangeAspect="1"/>
-          </p:cNvPicPr>
-          <p:nvPr/>
-        </p:nvPicPr>
-        <p:blipFill>
-          <a:blip r:embed="rId2">
-            <a:extLst>
-              <a:ext uri="{28A0092B-C50C-407E-A947-70E740481C1C}">
-                <a14:useLocalDpi xmlns:a14="http://schemas.microsoft.com/office/drawing/2010/main" val="0"/>
-              </a:ext>
-            </a:extLst>
-          </a:blip>
-          <a:stretch>
-            <a:fillRect/>
-          </a:stretch>
-        </p:blipFill>
-        <p:spPr>
-          <a:xfrm>
-            <a:off x="1981867" y="2752892"/>
-            <a:ext cx="5143500" cy="3848100"/>
-          </a:xfrm>
-          <a:prstGeom prst="rect">
-            <a:avLst/>
-          </a:prstGeom>
-        </p:spPr>
-      </p:pic>
+              <a:t>Download dc-crimes-search-resultt-1301k.csv</a:t>
+            </a:r>
+          </a:p>
+        </p:txBody>
+      </p:sp>
     </p:spTree>
     <p:extLst>
       <p:ext uri="{BB962C8B-B14F-4D97-AF65-F5344CB8AC3E}">
@@ -5357,7 +5295,29 @@
           <a:p>
             <a:r>
               <a:rPr lang="en-US" dirty="0"/>
-              <a:t>Download all_dc_30_days_crime.csv and comp_table_wd12.csv</a:t>
+              <a:t>Download </a:t>
+            </a:r>
+          </a:p>
+          <a:p>
+            <a:pPr lvl="1"/>
+            <a:r>
+              <a:rPr lang="en-US" dirty="0"/>
+              <a:t>dc-crimes-search-results-</a:t>
+            </a:r>
+            <a:r>
+              <a:rPr lang="en-US" dirty="0" err="1"/>
+              <a:t>citywide.csv</a:t>
+            </a:r>
+            <a:r>
+              <a:rPr lang="en-US" dirty="0"/>
+              <a:t> </a:t>
+            </a:r>
+          </a:p>
+          <a:p>
+            <a:pPr lvl="1"/>
+            <a:r>
+              <a:rPr lang="en-US" dirty="0"/>
+              <a:t>comp_table_wd12.csv</a:t>
             </a:r>
           </a:p>
         </p:txBody>
